--- a/新增 Microsoft Office PowerPoint 簡報.pptx
+++ b/新增 Microsoft Office PowerPoint 簡報.pptx
@@ -6,8 +6,8 @@
   </p:sldMasterIdLst>
   <p:sldIdLst>
     <p:sldId id="256" r:id="rId2"/>
-    <p:sldId id="257" r:id="rId3"/>
-    <p:sldId id="258" r:id="rId4"/>
+    <p:sldId id="258" r:id="rId3"/>
+    <p:sldId id="257" r:id="rId4"/>
   </p:sldIdLst>
   <p:sldSz cx="9144000" cy="6858000" type="screen4x3"/>
   <p:notesSz cx="6858000" cy="9144000"/>
@@ -106,6 +106,22 @@
       </a:defRPr>
     </a:lvl9pPr>
   </p:defaultTextStyle>
+  <p:extLst>
+    <p:ext uri="{EFAFB233-063F-42B5-8137-9DF3F51BA10A}">
+      <p15:sldGuideLst xmlns:p15="http://schemas.microsoft.com/office/powerpoint/2012/main">
+        <p15:guide id="1" orient="horz" pos="2160">
+          <p15:clr>
+            <a:srgbClr val="A4A3A4"/>
+          </p15:clr>
+        </p15:guide>
+        <p15:guide id="2" pos="2880">
+          <p15:clr>
+            <a:srgbClr val="A4A3A4"/>
+          </p15:clr>
+        </p15:guide>
+      </p15:sldGuideLst>
+    </p:ext>
+  </p:extLst>
 </p:presentation>
 </file>
 
@@ -247,7 +263,7 @@
             <a:fld id="{5BBEAD13-0566-4C6C-97E7-55F17F24B09F}" type="datetimeFigureOut">
               <a:rPr lang="zh-TW" altLang="en-US" smtClean="0"/>
               <a:pPr/>
-              <a:t>2019/8/8</a:t>
+              <a:t>2019/8/9</a:t>
             </a:fld>
             <a:endParaRPr lang="zh-TW" altLang="en-US"/>
           </a:p>
@@ -1118,7 +1134,7 @@
             <a:fld id="{5BBEAD13-0566-4C6C-97E7-55F17F24B09F}" type="datetimeFigureOut">
               <a:rPr lang="zh-TW" altLang="en-US" smtClean="0"/>
               <a:pPr/>
-              <a:t>2019/8/8</a:t>
+              <a:t>2019/8/9</a:t>
             </a:fld>
             <a:endParaRPr lang="zh-TW" altLang="en-US"/>
           </a:p>
@@ -1295,7 +1311,7 @@
             <a:fld id="{5BBEAD13-0566-4C6C-97E7-55F17F24B09F}" type="datetimeFigureOut">
               <a:rPr lang="zh-TW" altLang="en-US" smtClean="0"/>
               <a:pPr/>
-              <a:t>2019/8/8</a:t>
+              <a:t>2019/8/9</a:t>
             </a:fld>
             <a:endParaRPr lang="zh-TW" altLang="en-US"/>
           </a:p>
@@ -1467,7 +1483,7 @@
             <a:fld id="{5BBEAD13-0566-4C6C-97E7-55F17F24B09F}" type="datetimeFigureOut">
               <a:rPr lang="zh-TW" altLang="en-US" smtClean="0"/>
               <a:pPr/>
-              <a:t>2019/8/8</a:t>
+              <a:t>2019/8/9</a:t>
             </a:fld>
             <a:endParaRPr lang="zh-TW" altLang="en-US"/>
           </a:p>
@@ -1679,7 +1695,7 @@
             <a:fld id="{5BBEAD13-0566-4C6C-97E7-55F17F24B09F}" type="datetimeFigureOut">
               <a:rPr lang="zh-TW" altLang="en-US" smtClean="0"/>
               <a:pPr/>
-              <a:t>2019/8/8</a:t>
+              <a:t>2019/8/9</a:t>
             </a:fld>
             <a:endParaRPr lang="zh-TW" altLang="en-US"/>
           </a:p>
@@ -2495,7 +2511,7 @@
             <a:fld id="{5BBEAD13-0566-4C6C-97E7-55F17F24B09F}" type="datetimeFigureOut">
               <a:rPr lang="zh-TW" altLang="en-US" smtClean="0"/>
               <a:pPr/>
-              <a:t>2019/8/8</a:t>
+              <a:t>2019/8/9</a:t>
             </a:fld>
             <a:endParaRPr lang="zh-TW" altLang="en-US"/>
           </a:p>
@@ -2733,7 +2749,7 @@
             <a:fld id="{5BBEAD13-0566-4C6C-97E7-55F17F24B09F}" type="datetimeFigureOut">
               <a:rPr lang="zh-TW" altLang="en-US" smtClean="0"/>
               <a:pPr/>
-              <a:t>2019/8/8</a:t>
+              <a:t>2019/8/9</a:t>
             </a:fld>
             <a:endParaRPr lang="zh-TW" altLang="en-US"/>
           </a:p>
@@ -3058,7 +3074,7 @@
             <a:fld id="{5BBEAD13-0566-4C6C-97E7-55F17F24B09F}" type="datetimeFigureOut">
               <a:rPr lang="zh-TW" altLang="en-US" smtClean="0"/>
               <a:pPr/>
-              <a:t>2019/8/8</a:t>
+              <a:t>2019/8/9</a:t>
             </a:fld>
             <a:endParaRPr lang="zh-TW" altLang="en-US"/>
           </a:p>
@@ -3150,7 +3166,7 @@
             <a:fld id="{5BBEAD13-0566-4C6C-97E7-55F17F24B09F}" type="datetimeFigureOut">
               <a:rPr lang="zh-TW" altLang="en-US" smtClean="0"/>
               <a:pPr/>
-              <a:t>2019/8/8</a:t>
+              <a:t>2019/8/9</a:t>
             </a:fld>
             <a:endParaRPr lang="zh-TW" altLang="en-US"/>
           </a:p>
@@ -3669,7 +3685,7 @@
             <a:fld id="{5BBEAD13-0566-4C6C-97E7-55F17F24B09F}" type="datetimeFigureOut">
               <a:rPr lang="zh-TW" altLang="en-US" smtClean="0"/>
               <a:pPr/>
-              <a:t>2019/8/8</a:t>
+              <a:t>2019/8/9</a:t>
             </a:fld>
             <a:endParaRPr lang="zh-TW" altLang="en-US"/>
           </a:p>
@@ -4182,7 +4198,7 @@
             <a:fld id="{5BBEAD13-0566-4C6C-97E7-55F17F24B09F}" type="datetimeFigureOut">
               <a:rPr lang="zh-TW" altLang="en-US" smtClean="0"/>
               <a:pPr/>
-              <a:t>2019/8/8</a:t>
+              <a:t>2019/8/9</a:t>
             </a:fld>
             <a:endParaRPr lang="zh-TW" altLang="en-US"/>
           </a:p>
@@ -4429,7 +4445,7 @@
             <a:fld id="{5BBEAD13-0566-4C6C-97E7-55F17F24B09F}" type="datetimeFigureOut">
               <a:rPr lang="zh-TW" altLang="en-US" smtClean="0"/>
               <a:pPr/>
-              <a:t>2019/8/8</a:t>
+              <a:t>2019/8/9</a:t>
             </a:fld>
             <a:endParaRPr lang="zh-TW" altLang="en-US"/>
           </a:p>
@@ -5045,31 +5061,91 @@
             <p:ph type="ctrTitle"/>
           </p:nvPr>
         </p:nvSpPr>
-        <p:spPr/>
+        <p:spPr>
+          <a:xfrm>
+            <a:off x="2339752" y="1772816"/>
+            <a:ext cx="6172200" cy="1894362"/>
+          </a:xfrm>
+        </p:spPr>
+        <p:txBody>
+          <a:bodyPr>
+            <a:normAutofit fontScale="90000"/>
+          </a:bodyPr>
+          <a:lstStyle/>
+          <a:p>
+            <a:r>
+              <a:rPr lang="zh-TW" altLang="en-US" dirty="0" smtClean="0"/>
+              <a:t>小專題報告</a:t>
+            </a:r>
+            <a:r>
+              <a:rPr lang="en-US" altLang="zh-TW" dirty="0" smtClean="0"/>
+              <a:t/>
+            </a:r>
+            <a:br>
+              <a:rPr lang="en-US" altLang="zh-TW" dirty="0" smtClean="0"/>
+            </a:br>
+            <a:r>
+              <a:rPr lang="en-US" altLang="zh-TW" dirty="0" smtClean="0"/>
+              <a:t>Working holiday in </a:t>
+            </a:r>
+            <a:r>
+              <a:rPr lang="en-US" altLang="zh-TW" dirty="0" err="1" smtClean="0"/>
+              <a:t>australia</a:t>
+            </a:r>
+            <a:r>
+              <a:rPr lang="en-US" altLang="zh-TW" dirty="0"/>
+              <a:t/>
+            </a:r>
+            <a:br>
+              <a:rPr lang="en-US" altLang="zh-TW" dirty="0"/>
+            </a:br>
+            <a:r>
+              <a:rPr lang="en-US" altLang="zh-TW" dirty="0" smtClean="0"/>
+              <a:t/>
+            </a:r>
+            <a:br>
+              <a:rPr lang="en-US" altLang="zh-TW" dirty="0" smtClean="0"/>
+            </a:br>
+            <a:endParaRPr lang="zh-TW" altLang="en-US" dirty="0"/>
+          </a:p>
+        </p:txBody>
+      </p:sp>
+      <p:sp>
+        <p:nvSpPr>
+          <p:cNvPr id="3" name="副標題 2"/>
+          <p:cNvSpPr>
+            <a:spLocks noGrp="1"/>
+          </p:cNvSpPr>
+          <p:nvPr>
+            <p:ph type="subTitle" idx="1"/>
+          </p:nvPr>
+        </p:nvSpPr>
+        <p:spPr>
+          <a:xfrm>
+            <a:off x="2339752" y="4077072"/>
+            <a:ext cx="6172200" cy="1371600"/>
+          </a:xfrm>
+        </p:spPr>
         <p:txBody>
           <a:bodyPr/>
           <a:lstStyle/>
           <a:p>
-            <a:endParaRPr lang="zh-TW" altLang="en-US"/>
-          </a:p>
-        </p:txBody>
-      </p:sp>
-      <p:sp>
-        <p:nvSpPr>
-          <p:cNvPr id="3" name="副標題 2"/>
-          <p:cNvSpPr>
-            <a:spLocks noGrp="1"/>
-          </p:cNvSpPr>
-          <p:nvPr>
-            <p:ph type="subTitle" idx="1"/>
-          </p:nvPr>
-        </p:nvSpPr>
-        <p:spPr/>
-        <p:txBody>
-          <a:bodyPr/>
-          <a:lstStyle/>
-          <a:p>
-            <a:endParaRPr lang="zh-TW" altLang="en-US"/>
+            <a:r>
+              <a:rPr lang="zh-TW" altLang="en-US" dirty="0" smtClean="0"/>
+              <a:t>指導老師 </a:t>
+            </a:r>
+            <a:r>
+              <a:rPr lang="en-US" altLang="zh-TW" dirty="0" smtClean="0"/>
+              <a:t>:</a:t>
+            </a:r>
+            <a:r>
+              <a:rPr lang="zh-TW" altLang="en-US" dirty="0" smtClean="0"/>
+              <a:t> 許雅婷、錢達智</a:t>
+            </a:r>
+            <a:endParaRPr lang="en-US" altLang="zh-TW" dirty="0" smtClean="0"/>
+          </a:p>
+          <a:p>
+            <a:endParaRPr lang="zh-TW" altLang="en-US" dirty="0"/>
           </a:p>
         </p:txBody>
       </p:sp>
@@ -5078,6 +5154,13 @@
   <p:clrMapOvr>
     <a:masterClrMapping/>
   </p:clrMapOvr>
+  <p:timing>
+    <p:tnLst>
+      <p:par>
+        <p:cTn id="1" dur="indefinite" restart="never" nodeType="tmRoot"/>
+      </p:par>
+    </p:tnLst>
+  </p:timing>
 </p:sld>
 </file>
 
@@ -5113,7 +5196,11 @@
           <a:bodyPr/>
           <a:lstStyle/>
           <a:p>
-            <a:endParaRPr lang="zh-TW" altLang="en-US"/>
+            <a:r>
+              <a:rPr lang="zh-TW" altLang="en-US" dirty="0" smtClean="0"/>
+              <a:t>緣由</a:t>
+            </a:r>
+            <a:endParaRPr lang="zh-TW" altLang="en-US" dirty="0"/>
           </a:p>
         </p:txBody>
       </p:sp>
@@ -5141,6 +5228,13 @@
   <p:clrMapOvr>
     <a:masterClrMapping/>
   </p:clrMapOvr>
+  <p:timing>
+    <p:tnLst>
+      <p:par>
+        <p:cTn id="1" dur="indefinite" restart="never" nodeType="tmRoot"/>
+      </p:par>
+    </p:tnLst>
+  </p:timing>
 </p:sld>
 </file>
 
@@ -5176,7 +5270,11 @@
           <a:bodyPr/>
           <a:lstStyle/>
           <a:p>
-            <a:endParaRPr lang="zh-TW" altLang="en-US"/>
+            <a:r>
+              <a:rPr lang="zh-TW" altLang="en-US" dirty="0" smtClean="0"/>
+              <a:t>使用的工具</a:t>
+            </a:r>
+            <a:endParaRPr lang="zh-TW" altLang="en-US" dirty="0"/>
           </a:p>
         </p:txBody>
       </p:sp>
@@ -5195,7 +5293,43 @@
           <a:bodyPr/>
           <a:lstStyle/>
           <a:p>
-            <a:endParaRPr lang="zh-TW" altLang="en-US"/>
+            <a:r>
+              <a:rPr lang="en-US" altLang="zh-TW" dirty="0" smtClean="0"/>
+              <a:t>HTML</a:t>
+            </a:r>
+            <a:r>
+              <a:rPr lang="zh-TW" altLang="en-US" dirty="0" smtClean="0"/>
+              <a:t> </a:t>
+            </a:r>
+            <a:r>
+              <a:rPr lang="en-US" altLang="zh-TW" dirty="0" smtClean="0"/>
+              <a:t>5</a:t>
+            </a:r>
+          </a:p>
+          <a:p>
+            <a:r>
+              <a:rPr lang="en-US" altLang="zh-TW" dirty="0" smtClean="0"/>
+              <a:t>CSS3</a:t>
+            </a:r>
+          </a:p>
+          <a:p>
+            <a:r>
+              <a:rPr lang="en-US" altLang="zh-TW" dirty="0" smtClean="0"/>
+              <a:t>JavaScript</a:t>
+            </a:r>
+          </a:p>
+          <a:p>
+            <a:r>
+              <a:rPr lang="en-US" altLang="zh-TW" dirty="0" smtClean="0"/>
+              <a:t>Bootstrap</a:t>
+            </a:r>
+          </a:p>
+          <a:p>
+            <a:r>
+              <a:rPr lang="en-US" altLang="zh-TW" dirty="0" smtClean="0"/>
+              <a:t>jQuery</a:t>
+            </a:r>
+            <a:endParaRPr lang="zh-TW" altLang="en-US" dirty="0"/>
           </a:p>
         </p:txBody>
       </p:sp>
@@ -5204,6 +5338,13 @@
   <p:clrMapOvr>
     <a:masterClrMapping/>
   </p:clrMapOvr>
+  <p:timing>
+    <p:tnLst>
+      <p:par>
+        <p:cTn id="1" dur="indefinite" restart="never" nodeType="tmRoot"/>
+      </p:par>
+    </p:tnLst>
+  </p:timing>
 </p:sld>
 </file>
 
